--- a/IBM DataSCIENCE CAPTSTONE Project.pptx
+++ b/IBM DataSCIENCE CAPTSTONE Project.pptx
@@ -9,10 +9,11 @@
     <p:sldId id="257" r:id="rId3"/>
     <p:sldId id="258" r:id="rId4"/>
     <p:sldId id="259" r:id="rId5"/>
-    <p:sldId id="261" r:id="rId6"/>
-    <p:sldId id="260" r:id="rId7"/>
-    <p:sldId id="262" r:id="rId8"/>
-    <p:sldId id="263" r:id="rId9"/>
+    <p:sldId id="264" r:id="rId6"/>
+    <p:sldId id="261" r:id="rId7"/>
+    <p:sldId id="260" r:id="rId8"/>
+    <p:sldId id="262" r:id="rId9"/>
+    <p:sldId id="263" r:id="rId10"/>
   </p:sldIdLst>
   <p:sldSz cx="12192000" cy="6858000"/>
   <p:notesSz cx="6858000" cy="9144000"/>
@@ -9283,6 +9284,110 @@
           <p:cNvPr id="2" name="Title 1">
             <a:extLst>
               <a:ext uri="{FF2B5EF4-FFF2-40B4-BE49-F238E27FC236}">
+                <a16:creationId xmlns:a16="http://schemas.microsoft.com/office/drawing/2014/main" id="{78F2C129-DC54-495C-A947-9A39E2B235D4}"/>
+              </a:ext>
+            </a:extLst>
+          </p:cNvPr>
+          <p:cNvSpPr>
+            <a:spLocks noGrp="1"/>
+          </p:cNvSpPr>
+          <p:nvPr>
+            <p:ph type="title"/>
+          </p:nvPr>
+        </p:nvSpPr>
+        <p:spPr/>
+        <p:txBody>
+          <a:bodyPr/>
+          <a:lstStyle/>
+          <a:p>
+            <a:r>
+              <a:rPr lang="en-IN" dirty="0"/>
+              <a:t>Audience</a:t>
+            </a:r>
+          </a:p>
+        </p:txBody>
+      </p:sp>
+      <p:sp>
+        <p:nvSpPr>
+          <p:cNvPr id="3" name="Content Placeholder 2">
+            <a:extLst>
+              <a:ext uri="{FF2B5EF4-FFF2-40B4-BE49-F238E27FC236}">
+                <a16:creationId xmlns:a16="http://schemas.microsoft.com/office/drawing/2014/main" id="{129DAA19-DFF1-4860-ABE5-CB3CE3FF953A}"/>
+              </a:ext>
+            </a:extLst>
+          </p:cNvPr>
+          <p:cNvSpPr>
+            <a:spLocks noGrp="1"/>
+          </p:cNvSpPr>
+          <p:nvPr>
+            <p:ph sz="quarter" idx="13"/>
+          </p:nvPr>
+        </p:nvSpPr>
+        <p:spPr/>
+        <p:txBody>
+          <a:bodyPr/>
+          <a:lstStyle/>
+          <a:p>
+            <a:r>
+              <a:rPr lang="en-IN" dirty="0"/>
+              <a:t>The target audience for this project would be the management for the waffle company who are interested in opening their franchise in NA</a:t>
+            </a:r>
+          </a:p>
+          <a:p>
+            <a:r>
+              <a:rPr lang="en-IN" dirty="0"/>
+              <a:t>This paper will also interest students of the </a:t>
+            </a:r>
+            <a:r>
+              <a:rPr lang="en-IN" dirty="0" err="1"/>
+              <a:t>datascience</a:t>
+            </a:r>
+            <a:r>
+              <a:rPr lang="en-IN" dirty="0"/>
+              <a:t> field as </a:t>
+            </a:r>
+            <a:r>
+              <a:rPr lang="en-IN"/>
+              <a:t>a reference </a:t>
+            </a:r>
+          </a:p>
+        </p:txBody>
+      </p:sp>
+    </p:spTree>
+    <p:extLst>
+      <p:ext uri="{BB962C8B-B14F-4D97-AF65-F5344CB8AC3E}">
+        <p14:creationId xmlns:p14="http://schemas.microsoft.com/office/powerpoint/2010/main" val="2377314917"/>
+      </p:ext>
+    </p:extLst>
+  </p:cSld>
+  <p:clrMapOvr>
+    <a:masterClrMapping/>
+  </p:clrMapOvr>
+</p:sld>
+</file>
+
+<file path=ppt/slides/slide6.xml><?xml version="1.0" encoding="utf-8"?>
+<p:sld xmlns:a="http://schemas.openxmlformats.org/drawingml/2006/main" xmlns:r="http://schemas.openxmlformats.org/officeDocument/2006/relationships" xmlns:p="http://schemas.openxmlformats.org/presentationml/2006/main">
+  <p:cSld>
+    <p:spTree>
+      <p:nvGrpSpPr>
+        <p:cNvPr id="1" name=""/>
+        <p:cNvGrpSpPr/>
+        <p:nvPr/>
+      </p:nvGrpSpPr>
+      <p:grpSpPr>
+        <a:xfrm>
+          <a:off x="0" y="0"/>
+          <a:ext cx="0" cy="0"/>
+          <a:chOff x="0" y="0"/>
+          <a:chExt cx="0" cy="0"/>
+        </a:xfrm>
+      </p:grpSpPr>
+      <p:sp>
+        <p:nvSpPr>
+          <p:cNvPr id="2" name="Title 1">
+            <a:extLst>
+              <a:ext uri="{FF2B5EF4-FFF2-40B4-BE49-F238E27FC236}">
                 <a16:creationId xmlns:a16="http://schemas.microsoft.com/office/drawing/2014/main" id="{60D9A2D5-5B7B-4C4E-9CE9-227E2E51DB57}"/>
               </a:ext>
             </a:extLst>
@@ -9454,7 +9559,7 @@
 </p:sld>
 </file>
 
-<file path=ppt/slides/slide6.xml><?xml version="1.0" encoding="utf-8"?>
+<file path=ppt/slides/slide7.xml><?xml version="1.0" encoding="utf-8"?>
 <p:sld xmlns:a="http://schemas.openxmlformats.org/drawingml/2006/main" xmlns:r="http://schemas.openxmlformats.org/officeDocument/2006/relationships" xmlns:p="http://schemas.openxmlformats.org/presentationml/2006/main">
   <p:cSld>
     <p:spTree>
@@ -9822,7 +9927,7 @@
 </p:sld>
 </file>
 
-<file path=ppt/slides/slide7.xml><?xml version="1.0" encoding="utf-8"?>
+<file path=ppt/slides/slide8.xml><?xml version="1.0" encoding="utf-8"?>
 <p:sld xmlns:a="http://schemas.openxmlformats.org/drawingml/2006/main" xmlns:r="http://schemas.openxmlformats.org/officeDocument/2006/relationships" xmlns:p="http://schemas.openxmlformats.org/presentationml/2006/main">
   <p:cSld>
     <p:spTree>
@@ -9923,7 +10028,7 @@
 </p:sld>
 </file>
 
-<file path=ppt/slides/slide8.xml><?xml version="1.0" encoding="utf-8"?>
+<file path=ppt/slides/slide9.xml><?xml version="1.0" encoding="utf-8"?>
 <p:sld xmlns:a="http://schemas.openxmlformats.org/drawingml/2006/main" xmlns:r="http://schemas.openxmlformats.org/officeDocument/2006/relationships" xmlns:p="http://schemas.openxmlformats.org/presentationml/2006/main">
   <p:cSld>
     <p:spTree>

--- a/IBM DataSCIENCE CAPTSTONE Project.pptx
+++ b/IBM DataSCIENCE CAPTSTONE Project.pptx
@@ -13,7 +13,15 @@
     <p:sldId id="261" r:id="rId7"/>
     <p:sldId id="260" r:id="rId8"/>
     <p:sldId id="262" r:id="rId9"/>
-    <p:sldId id="263" r:id="rId10"/>
+    <p:sldId id="265" r:id="rId10"/>
+    <p:sldId id="269" r:id="rId11"/>
+    <p:sldId id="270" r:id="rId12"/>
+    <p:sldId id="271" r:id="rId13"/>
+    <p:sldId id="272" r:id="rId14"/>
+    <p:sldId id="266" r:id="rId15"/>
+    <p:sldId id="267" r:id="rId16"/>
+    <p:sldId id="268" r:id="rId17"/>
+    <p:sldId id="263" r:id="rId18"/>
   </p:sldIdLst>
   <p:sldSz cx="12192000" cy="6858000"/>
   <p:notesSz cx="6858000" cy="9144000"/>
@@ -3066,7 +3074,7 @@
           <a:p>
             <a:fld id="{48A87A34-81AB-432B-8DAE-1953F412C126}" type="datetimeFigureOut">
               <a:rPr lang="en-US" dirty="0"/>
-              <a:t>5/6/2019</a:t>
+              <a:t>5/7/2019</a:t>
             </a:fld>
             <a:endParaRPr lang="en-US" dirty="0"/>
           </a:p>
@@ -3373,7 +3381,7 @@
           <a:p>
             <a:fld id="{48A87A34-81AB-432B-8DAE-1953F412C126}" type="datetimeFigureOut">
               <a:rPr lang="en-US" dirty="0"/>
-              <a:t>5/6/2019</a:t>
+              <a:t>5/7/2019</a:t>
             </a:fld>
             <a:endParaRPr lang="en-US" dirty="0"/>
           </a:p>
@@ -3590,7 +3598,7 @@
           <a:p>
             <a:fld id="{48A87A34-81AB-432B-8DAE-1953F412C126}" type="datetimeFigureOut">
               <a:rPr lang="en-US" dirty="0"/>
-              <a:t>5/6/2019</a:t>
+              <a:t>5/7/2019</a:t>
             </a:fld>
             <a:endParaRPr lang="en-US" dirty="0"/>
           </a:p>
@@ -3876,7 +3884,7 @@
           <a:p>
             <a:fld id="{48A87A34-81AB-432B-8DAE-1953F412C126}" type="datetimeFigureOut">
               <a:rPr lang="en-US" dirty="0"/>
-              <a:t>5/6/2019</a:t>
+              <a:t>5/7/2019</a:t>
             </a:fld>
             <a:endParaRPr lang="en-US" dirty="0"/>
           </a:p>
@@ -4325,7 +4333,7 @@
           <a:p>
             <a:fld id="{48A87A34-81AB-432B-8DAE-1953F412C126}" type="datetimeFigureOut">
               <a:rPr lang="en-US" dirty="0"/>
-              <a:t>5/6/2019</a:t>
+              <a:t>5/7/2019</a:t>
             </a:fld>
             <a:endParaRPr lang="en-US" dirty="0"/>
           </a:p>
@@ -4896,7 +4904,7 @@
           <a:p>
             <a:fld id="{48A87A34-81AB-432B-8DAE-1953F412C126}" type="datetimeFigureOut">
               <a:rPr lang="en-US" dirty="0"/>
-              <a:t>5/6/2019</a:t>
+              <a:t>5/7/2019</a:t>
             </a:fld>
             <a:endParaRPr lang="en-US" dirty="0"/>
           </a:p>
@@ -5743,7 +5751,7 @@
           <a:p>
             <a:fld id="{48A87A34-81AB-432B-8DAE-1953F412C126}" type="datetimeFigureOut">
               <a:rPr lang="en-US" dirty="0"/>
-              <a:t>5/6/2019</a:t>
+              <a:t>5/7/2019</a:t>
             </a:fld>
             <a:endParaRPr lang="en-US" dirty="0"/>
           </a:p>
@@ -5943,7 +5951,7 @@
           <a:p>
             <a:fld id="{48A87A34-81AB-432B-8DAE-1953F412C126}" type="datetimeFigureOut">
               <a:rPr lang="en-US" dirty="0"/>
-              <a:t>5/6/2019</a:t>
+              <a:t>5/7/2019</a:t>
             </a:fld>
             <a:endParaRPr lang="en-US" dirty="0"/>
           </a:p>
@@ -6152,7 +6160,7 @@
           <a:p>
             <a:fld id="{48A87A34-81AB-432B-8DAE-1953F412C126}" type="datetimeFigureOut">
               <a:rPr lang="en-US" dirty="0"/>
-              <a:t>5/6/2019</a:t>
+              <a:t>5/7/2019</a:t>
             </a:fld>
             <a:endParaRPr lang="en-US" dirty="0"/>
           </a:p>
@@ -6352,7 +6360,7 @@
           <a:p>
             <a:fld id="{48A87A34-81AB-432B-8DAE-1953F412C126}" type="datetimeFigureOut">
               <a:rPr lang="en-US" dirty="0"/>
-              <a:t>5/6/2019</a:t>
+              <a:t>5/7/2019</a:t>
             </a:fld>
             <a:endParaRPr lang="en-US" dirty="0"/>
           </a:p>
@@ -6627,7 +6635,7 @@
           <a:p>
             <a:fld id="{48A87A34-81AB-432B-8DAE-1953F412C126}" type="datetimeFigureOut">
               <a:rPr lang="en-US" dirty="0"/>
-              <a:t>5/6/2019</a:t>
+              <a:t>5/7/2019</a:t>
             </a:fld>
             <a:endParaRPr lang="en-US" dirty="0"/>
           </a:p>
@@ -6889,7 +6897,7 @@
           <a:p>
             <a:fld id="{48A87A34-81AB-432B-8DAE-1953F412C126}" type="datetimeFigureOut">
               <a:rPr lang="en-US" dirty="0"/>
-              <a:t>5/6/2019</a:t>
+              <a:t>5/7/2019</a:t>
             </a:fld>
             <a:endParaRPr lang="en-US" dirty="0"/>
           </a:p>
@@ -7299,7 +7307,7 @@
           <a:p>
             <a:fld id="{48A87A34-81AB-432B-8DAE-1953F412C126}" type="datetimeFigureOut">
               <a:rPr lang="en-US" dirty="0"/>
-              <a:t>5/6/2019</a:t>
+              <a:t>5/7/2019</a:t>
             </a:fld>
             <a:endParaRPr lang="en-US" dirty="0"/>
           </a:p>
@@ -7442,7 +7450,7 @@
           <a:p>
             <a:fld id="{48A87A34-81AB-432B-8DAE-1953F412C126}" type="datetimeFigureOut">
               <a:rPr lang="en-US" dirty="0"/>
-              <a:t>5/6/2019</a:t>
+              <a:t>5/7/2019</a:t>
             </a:fld>
             <a:endParaRPr lang="en-US" dirty="0"/>
           </a:p>
@@ -7562,7 +7570,7 @@
           <a:p>
             <a:fld id="{48A87A34-81AB-432B-8DAE-1953F412C126}" type="datetimeFigureOut">
               <a:rPr lang="en-US" dirty="0"/>
-              <a:t>5/6/2019</a:t>
+              <a:t>5/7/2019</a:t>
             </a:fld>
             <a:endParaRPr lang="en-US" dirty="0"/>
           </a:p>
@@ -7836,7 +7844,7 @@
           <a:p>
             <a:fld id="{48A87A34-81AB-432B-8DAE-1953F412C126}" type="datetimeFigureOut">
               <a:rPr lang="en-US" dirty="0"/>
-              <a:t>5/6/2019</a:t>
+              <a:t>5/7/2019</a:t>
             </a:fld>
             <a:endParaRPr lang="en-US" dirty="0"/>
           </a:p>
@@ -8143,7 +8151,7 @@
           <a:p>
             <a:fld id="{48A87A34-81AB-432B-8DAE-1953F412C126}" type="datetimeFigureOut">
               <a:rPr lang="en-US" dirty="0"/>
-              <a:t>5/6/2019</a:t>
+              <a:t>5/7/2019</a:t>
             </a:fld>
             <a:endParaRPr lang="en-US" dirty="0"/>
           </a:p>
@@ -8392,7 +8400,7 @@
             <a:fld id="{48A87A34-81AB-432B-8DAE-1953F412C126}" type="datetimeFigureOut">
               <a:rPr lang="en-US" dirty="0"/>
               <a:pPr/>
-              <a:t>5/6/2019</a:t>
+              <a:t>5/7/2019</a:t>
             </a:fld>
             <a:endParaRPr lang="en-US" dirty="0"/>
           </a:p>
@@ -8930,6 +8938,1095 @@
 </p:sld>
 </file>
 
+<file path=ppt/slides/slide10.xml><?xml version="1.0" encoding="utf-8"?>
+<p:sld xmlns:a="http://schemas.openxmlformats.org/drawingml/2006/main" xmlns:r="http://schemas.openxmlformats.org/officeDocument/2006/relationships" xmlns:p="http://schemas.openxmlformats.org/presentationml/2006/main">
+  <p:cSld>
+    <p:spTree>
+      <p:nvGrpSpPr>
+        <p:cNvPr id="1" name=""/>
+        <p:cNvGrpSpPr/>
+        <p:nvPr/>
+      </p:nvGrpSpPr>
+      <p:grpSpPr>
+        <a:xfrm>
+          <a:off x="0" y="0"/>
+          <a:ext cx="0" cy="0"/>
+          <a:chOff x="0" y="0"/>
+          <a:chExt cx="0" cy="0"/>
+        </a:xfrm>
+      </p:grpSpPr>
+      <p:sp>
+        <p:nvSpPr>
+          <p:cNvPr id="2" name="Title 1">
+            <a:extLst>
+              <a:ext uri="{FF2B5EF4-FFF2-40B4-BE49-F238E27FC236}">
+                <a16:creationId xmlns:a16="http://schemas.microsoft.com/office/drawing/2014/main" id="{B2F88752-0CB5-44BC-877B-B361E8E3A513}"/>
+              </a:ext>
+            </a:extLst>
+          </p:cNvPr>
+          <p:cNvSpPr>
+            <a:spLocks noGrp="1"/>
+          </p:cNvSpPr>
+          <p:nvPr>
+            <p:ph type="title"/>
+          </p:nvPr>
+        </p:nvSpPr>
+        <p:spPr/>
+        <p:txBody>
+          <a:bodyPr/>
+          <a:lstStyle/>
+          <a:p>
+            <a:r>
+              <a:rPr lang="en-IN" dirty="0"/>
+              <a:t>Data collection and processing contd..</a:t>
+            </a:r>
+          </a:p>
+        </p:txBody>
+      </p:sp>
+      <p:sp>
+        <p:nvSpPr>
+          <p:cNvPr id="3" name="Content Placeholder 2">
+            <a:extLst>
+              <a:ext uri="{FF2B5EF4-FFF2-40B4-BE49-F238E27FC236}">
+                <a16:creationId xmlns:a16="http://schemas.microsoft.com/office/drawing/2014/main" id="{967906E9-EFDE-4453-A4F8-DBE7A50A137A}"/>
+              </a:ext>
+            </a:extLst>
+          </p:cNvPr>
+          <p:cNvSpPr>
+            <a:spLocks noGrp="1"/>
+          </p:cNvSpPr>
+          <p:nvPr>
+            <p:ph sz="quarter" idx="13"/>
+          </p:nvPr>
+        </p:nvSpPr>
+        <p:spPr/>
+        <p:txBody>
+          <a:bodyPr>
+            <a:normAutofit/>
+          </a:bodyPr>
+          <a:lstStyle/>
+          <a:p>
+            <a:r>
+              <a:rPr lang="en-IN" dirty="0"/>
+              <a:t>Step-3We did some data aggregation to group on the postal code</a:t>
+            </a:r>
+          </a:p>
+          <a:p>
+            <a:r>
+              <a:rPr lang="en-IN" dirty="0"/>
+              <a:t>Step-4 we used the geospatial file to get the longitude and latitude for the postal codes by merging two </a:t>
+            </a:r>
+            <a:r>
+              <a:rPr lang="en-IN" dirty="0" err="1"/>
+              <a:t>dataframes</a:t>
+            </a:r>
+            <a:r>
+              <a:rPr lang="en-IN" dirty="0"/>
+              <a:t> on the postal code column</a:t>
+            </a:r>
+          </a:p>
+          <a:p>
+            <a:endParaRPr lang="en-IN" dirty="0"/>
+          </a:p>
+          <a:p>
+            <a:pPr marL="0" indent="0">
+              <a:buNone/>
+            </a:pPr>
+            <a:endParaRPr lang="en-IN" dirty="0"/>
+          </a:p>
+          <a:p>
+            <a:pPr marL="0" indent="0">
+              <a:buNone/>
+            </a:pPr>
+            <a:endParaRPr lang="en-IN" dirty="0"/>
+          </a:p>
+          <a:p>
+            <a:pPr marL="0" indent="0">
+              <a:buNone/>
+            </a:pPr>
+            <a:endParaRPr lang="en-IN" dirty="0"/>
+          </a:p>
+        </p:txBody>
+      </p:sp>
+      <p:pic>
+        <p:nvPicPr>
+          <p:cNvPr id="5" name="Picture 4">
+            <a:extLst>
+              <a:ext uri="{FF2B5EF4-FFF2-40B4-BE49-F238E27FC236}">
+                <a16:creationId xmlns:a16="http://schemas.microsoft.com/office/drawing/2014/main" id="{DDA3E4F0-F479-4FBB-8DD9-9081D8FEED27}"/>
+              </a:ext>
+            </a:extLst>
+          </p:cNvPr>
+          <p:cNvPicPr>
+            <a:picLocks noChangeAspect="1"/>
+          </p:cNvPicPr>
+          <p:nvPr/>
+        </p:nvPicPr>
+        <p:blipFill>
+          <a:blip r:embed="rId2"/>
+          <a:stretch>
+            <a:fillRect/>
+          </a:stretch>
+        </p:blipFill>
+        <p:spPr>
+          <a:xfrm>
+            <a:off x="1926258" y="3724883"/>
+            <a:ext cx="7000875" cy="2514600"/>
+          </a:xfrm>
+          <a:prstGeom prst="rect">
+            <a:avLst/>
+          </a:prstGeom>
+        </p:spPr>
+      </p:pic>
+    </p:spTree>
+    <p:extLst>
+      <p:ext uri="{BB962C8B-B14F-4D97-AF65-F5344CB8AC3E}">
+        <p14:creationId xmlns:p14="http://schemas.microsoft.com/office/powerpoint/2010/main" val="126327782"/>
+      </p:ext>
+    </p:extLst>
+  </p:cSld>
+  <p:clrMapOvr>
+    <a:masterClrMapping/>
+  </p:clrMapOvr>
+</p:sld>
+</file>
+
+<file path=ppt/slides/slide11.xml><?xml version="1.0" encoding="utf-8"?>
+<p:sld xmlns:a="http://schemas.openxmlformats.org/drawingml/2006/main" xmlns:r="http://schemas.openxmlformats.org/officeDocument/2006/relationships" xmlns:p="http://schemas.openxmlformats.org/presentationml/2006/main">
+  <p:cSld>
+    <p:spTree>
+      <p:nvGrpSpPr>
+        <p:cNvPr id="1" name=""/>
+        <p:cNvGrpSpPr/>
+        <p:nvPr/>
+      </p:nvGrpSpPr>
+      <p:grpSpPr>
+        <a:xfrm>
+          <a:off x="0" y="0"/>
+          <a:ext cx="0" cy="0"/>
+          <a:chOff x="0" y="0"/>
+          <a:chExt cx="0" cy="0"/>
+        </a:xfrm>
+      </p:grpSpPr>
+      <p:sp>
+        <p:nvSpPr>
+          <p:cNvPr id="2" name="Title 1">
+            <a:extLst>
+              <a:ext uri="{FF2B5EF4-FFF2-40B4-BE49-F238E27FC236}">
+                <a16:creationId xmlns:a16="http://schemas.microsoft.com/office/drawing/2014/main" id="{B2F88752-0CB5-44BC-877B-B361E8E3A513}"/>
+              </a:ext>
+            </a:extLst>
+          </p:cNvPr>
+          <p:cNvSpPr>
+            <a:spLocks noGrp="1"/>
+          </p:cNvSpPr>
+          <p:nvPr>
+            <p:ph type="title"/>
+          </p:nvPr>
+        </p:nvSpPr>
+        <p:spPr/>
+        <p:txBody>
+          <a:bodyPr/>
+          <a:lstStyle/>
+          <a:p>
+            <a:r>
+              <a:rPr lang="en-IN" dirty="0"/>
+              <a:t>Data collection and processing contd..</a:t>
+            </a:r>
+          </a:p>
+        </p:txBody>
+      </p:sp>
+      <p:sp>
+        <p:nvSpPr>
+          <p:cNvPr id="3" name="Content Placeholder 2">
+            <a:extLst>
+              <a:ext uri="{FF2B5EF4-FFF2-40B4-BE49-F238E27FC236}">
+                <a16:creationId xmlns:a16="http://schemas.microsoft.com/office/drawing/2014/main" id="{967906E9-EFDE-4453-A4F8-DBE7A50A137A}"/>
+              </a:ext>
+            </a:extLst>
+          </p:cNvPr>
+          <p:cNvSpPr>
+            <a:spLocks noGrp="1"/>
+          </p:cNvSpPr>
+          <p:nvPr>
+            <p:ph sz="quarter" idx="13"/>
+          </p:nvPr>
+        </p:nvSpPr>
+        <p:spPr/>
+        <p:txBody>
+          <a:bodyPr>
+            <a:normAutofit/>
+          </a:bodyPr>
+          <a:lstStyle/>
+          <a:p>
+            <a:r>
+              <a:rPr lang="en-IN" dirty="0"/>
+              <a:t>Step-5 We created a map of downtown Toronto and superimposed the </a:t>
+            </a:r>
+            <a:r>
+              <a:rPr lang="en-IN" dirty="0" err="1"/>
+              <a:t>neighrbourhoods</a:t>
+            </a:r>
+            <a:r>
+              <a:rPr lang="en-IN" dirty="0"/>
+              <a:t> using folium</a:t>
+            </a:r>
+          </a:p>
+          <a:p>
+            <a:endParaRPr lang="en-IN" dirty="0"/>
+          </a:p>
+          <a:p>
+            <a:pPr marL="0" indent="0">
+              <a:buNone/>
+            </a:pPr>
+            <a:endParaRPr lang="en-IN" dirty="0"/>
+          </a:p>
+          <a:p>
+            <a:pPr marL="0" indent="0">
+              <a:buNone/>
+            </a:pPr>
+            <a:endParaRPr lang="en-IN" dirty="0"/>
+          </a:p>
+          <a:p>
+            <a:pPr marL="0" indent="0">
+              <a:buNone/>
+            </a:pPr>
+            <a:endParaRPr lang="en-IN" dirty="0"/>
+          </a:p>
+        </p:txBody>
+      </p:sp>
+      <p:pic>
+        <p:nvPicPr>
+          <p:cNvPr id="4" name="Picture 3">
+            <a:extLst>
+              <a:ext uri="{FF2B5EF4-FFF2-40B4-BE49-F238E27FC236}">
+                <a16:creationId xmlns:a16="http://schemas.microsoft.com/office/drawing/2014/main" id="{6FBF8741-8832-4040-87C2-F67882D0D34A}"/>
+              </a:ext>
+            </a:extLst>
+          </p:cNvPr>
+          <p:cNvPicPr>
+            <a:picLocks noChangeAspect="1"/>
+          </p:cNvPicPr>
+          <p:nvPr/>
+        </p:nvPicPr>
+        <p:blipFill>
+          <a:blip r:embed="rId2"/>
+          <a:stretch>
+            <a:fillRect/>
+          </a:stretch>
+        </p:blipFill>
+        <p:spPr>
+          <a:xfrm>
+            <a:off x="3139126" y="3337087"/>
+            <a:ext cx="5608949" cy="3091993"/>
+          </a:xfrm>
+          <a:prstGeom prst="rect">
+            <a:avLst/>
+          </a:prstGeom>
+        </p:spPr>
+      </p:pic>
+    </p:spTree>
+    <p:extLst>
+      <p:ext uri="{BB962C8B-B14F-4D97-AF65-F5344CB8AC3E}">
+        <p14:creationId xmlns:p14="http://schemas.microsoft.com/office/powerpoint/2010/main" val="4150453111"/>
+      </p:ext>
+    </p:extLst>
+  </p:cSld>
+  <p:clrMapOvr>
+    <a:masterClrMapping/>
+  </p:clrMapOvr>
+</p:sld>
+</file>
+
+<file path=ppt/slides/slide12.xml><?xml version="1.0" encoding="utf-8"?>
+<p:sld xmlns:a="http://schemas.openxmlformats.org/drawingml/2006/main" xmlns:r="http://schemas.openxmlformats.org/officeDocument/2006/relationships" xmlns:p="http://schemas.openxmlformats.org/presentationml/2006/main">
+  <p:cSld>
+    <p:spTree>
+      <p:nvGrpSpPr>
+        <p:cNvPr id="1" name=""/>
+        <p:cNvGrpSpPr/>
+        <p:nvPr/>
+      </p:nvGrpSpPr>
+      <p:grpSpPr>
+        <a:xfrm>
+          <a:off x="0" y="0"/>
+          <a:ext cx="0" cy="0"/>
+          <a:chOff x="0" y="0"/>
+          <a:chExt cx="0" cy="0"/>
+        </a:xfrm>
+      </p:grpSpPr>
+      <p:sp>
+        <p:nvSpPr>
+          <p:cNvPr id="2" name="Title 1">
+            <a:extLst>
+              <a:ext uri="{FF2B5EF4-FFF2-40B4-BE49-F238E27FC236}">
+                <a16:creationId xmlns:a16="http://schemas.microsoft.com/office/drawing/2014/main" id="{B2F88752-0CB5-44BC-877B-B361E8E3A513}"/>
+              </a:ext>
+            </a:extLst>
+          </p:cNvPr>
+          <p:cNvSpPr>
+            <a:spLocks noGrp="1"/>
+          </p:cNvSpPr>
+          <p:nvPr>
+            <p:ph type="title"/>
+          </p:nvPr>
+        </p:nvSpPr>
+        <p:spPr/>
+        <p:txBody>
+          <a:bodyPr/>
+          <a:lstStyle/>
+          <a:p>
+            <a:r>
+              <a:rPr lang="en-IN" dirty="0"/>
+              <a:t>Data collection and processing contd..</a:t>
+            </a:r>
+          </a:p>
+        </p:txBody>
+      </p:sp>
+      <p:sp>
+        <p:nvSpPr>
+          <p:cNvPr id="3" name="Content Placeholder 2">
+            <a:extLst>
+              <a:ext uri="{FF2B5EF4-FFF2-40B4-BE49-F238E27FC236}">
+                <a16:creationId xmlns:a16="http://schemas.microsoft.com/office/drawing/2014/main" id="{967906E9-EFDE-4453-A4F8-DBE7A50A137A}"/>
+              </a:ext>
+            </a:extLst>
+          </p:cNvPr>
+          <p:cNvSpPr>
+            <a:spLocks noGrp="1"/>
+          </p:cNvSpPr>
+          <p:nvPr>
+            <p:ph sz="quarter" idx="13"/>
+          </p:nvPr>
+        </p:nvSpPr>
+        <p:spPr/>
+        <p:txBody>
+          <a:bodyPr>
+            <a:normAutofit/>
+          </a:bodyPr>
+          <a:lstStyle/>
+          <a:p>
+            <a:r>
+              <a:rPr lang="en-IN" dirty="0"/>
+              <a:t>Step-7 We use the foursquare </a:t>
+            </a:r>
+            <a:r>
+              <a:rPr lang="en-IN" dirty="0" err="1"/>
+              <a:t>api</a:t>
+            </a:r>
+            <a:r>
+              <a:rPr lang="en-IN" dirty="0"/>
+              <a:t> to explore venues close to our neighbourhoods</a:t>
+            </a:r>
+          </a:p>
+          <a:p>
+            <a:endParaRPr lang="en-IN" dirty="0"/>
+          </a:p>
+          <a:p>
+            <a:endParaRPr lang="en-IN" dirty="0"/>
+          </a:p>
+          <a:p>
+            <a:pPr marL="0" indent="0">
+              <a:buNone/>
+            </a:pPr>
+            <a:endParaRPr lang="en-IN" dirty="0"/>
+          </a:p>
+          <a:p>
+            <a:pPr marL="0" indent="0">
+              <a:buNone/>
+            </a:pPr>
+            <a:endParaRPr lang="en-IN" dirty="0"/>
+          </a:p>
+          <a:p>
+            <a:pPr marL="0" indent="0">
+              <a:buNone/>
+            </a:pPr>
+            <a:endParaRPr lang="en-IN" dirty="0"/>
+          </a:p>
+        </p:txBody>
+      </p:sp>
+      <p:pic>
+        <p:nvPicPr>
+          <p:cNvPr id="5" name="Picture 4">
+            <a:extLst>
+              <a:ext uri="{FF2B5EF4-FFF2-40B4-BE49-F238E27FC236}">
+                <a16:creationId xmlns:a16="http://schemas.microsoft.com/office/drawing/2014/main" id="{7825A2D3-1AAF-41A3-81D4-D5729EB5A9BD}"/>
+              </a:ext>
+            </a:extLst>
+          </p:cNvPr>
+          <p:cNvPicPr>
+            <a:picLocks noChangeAspect="1"/>
+          </p:cNvPicPr>
+          <p:nvPr/>
+        </p:nvPicPr>
+        <p:blipFill>
+          <a:blip r:embed="rId2"/>
+          <a:stretch>
+            <a:fillRect/>
+          </a:stretch>
+        </p:blipFill>
+        <p:spPr>
+          <a:xfrm>
+            <a:off x="1388883" y="3429000"/>
+            <a:ext cx="7924800" cy="2590800"/>
+          </a:xfrm>
+          <a:prstGeom prst="rect">
+            <a:avLst/>
+          </a:prstGeom>
+        </p:spPr>
+      </p:pic>
+    </p:spTree>
+    <p:extLst>
+      <p:ext uri="{BB962C8B-B14F-4D97-AF65-F5344CB8AC3E}">
+        <p14:creationId xmlns:p14="http://schemas.microsoft.com/office/powerpoint/2010/main" val="3341164716"/>
+      </p:ext>
+    </p:extLst>
+  </p:cSld>
+  <p:clrMapOvr>
+    <a:masterClrMapping/>
+  </p:clrMapOvr>
+</p:sld>
+</file>
+
+<file path=ppt/slides/slide13.xml><?xml version="1.0" encoding="utf-8"?>
+<p:sld xmlns:a="http://schemas.openxmlformats.org/drawingml/2006/main" xmlns:r="http://schemas.openxmlformats.org/officeDocument/2006/relationships" xmlns:p="http://schemas.openxmlformats.org/presentationml/2006/main">
+  <p:cSld>
+    <p:spTree>
+      <p:nvGrpSpPr>
+        <p:cNvPr id="1" name=""/>
+        <p:cNvGrpSpPr/>
+        <p:nvPr/>
+      </p:nvGrpSpPr>
+      <p:grpSpPr>
+        <a:xfrm>
+          <a:off x="0" y="0"/>
+          <a:ext cx="0" cy="0"/>
+          <a:chOff x="0" y="0"/>
+          <a:chExt cx="0" cy="0"/>
+        </a:xfrm>
+      </p:grpSpPr>
+      <p:sp>
+        <p:nvSpPr>
+          <p:cNvPr id="2" name="Title 1">
+            <a:extLst>
+              <a:ext uri="{FF2B5EF4-FFF2-40B4-BE49-F238E27FC236}">
+                <a16:creationId xmlns:a16="http://schemas.microsoft.com/office/drawing/2014/main" id="{B2F88752-0CB5-44BC-877B-B361E8E3A513}"/>
+              </a:ext>
+            </a:extLst>
+          </p:cNvPr>
+          <p:cNvSpPr>
+            <a:spLocks noGrp="1"/>
+          </p:cNvSpPr>
+          <p:nvPr>
+            <p:ph type="title"/>
+          </p:nvPr>
+        </p:nvSpPr>
+        <p:spPr/>
+        <p:txBody>
+          <a:bodyPr/>
+          <a:lstStyle/>
+          <a:p>
+            <a:r>
+              <a:rPr lang="en-IN" dirty="0"/>
+              <a:t>Data collection and processing contd..</a:t>
+            </a:r>
+          </a:p>
+        </p:txBody>
+      </p:sp>
+      <p:sp>
+        <p:nvSpPr>
+          <p:cNvPr id="3" name="Content Placeholder 2">
+            <a:extLst>
+              <a:ext uri="{FF2B5EF4-FFF2-40B4-BE49-F238E27FC236}">
+                <a16:creationId xmlns:a16="http://schemas.microsoft.com/office/drawing/2014/main" id="{967906E9-EFDE-4453-A4F8-DBE7A50A137A}"/>
+              </a:ext>
+            </a:extLst>
+          </p:cNvPr>
+          <p:cNvSpPr>
+            <a:spLocks noGrp="1"/>
+          </p:cNvSpPr>
+          <p:nvPr>
+            <p:ph sz="quarter" idx="13"/>
+          </p:nvPr>
+        </p:nvSpPr>
+        <p:spPr/>
+        <p:txBody>
+          <a:bodyPr>
+            <a:normAutofit/>
+          </a:bodyPr>
+          <a:lstStyle/>
+          <a:p>
+            <a:r>
+              <a:rPr lang="en-IN" dirty="0"/>
+              <a:t>Step-8 We use the k-means algorithm to cluster the neighbourhoods </a:t>
+            </a:r>
+            <a:r>
+              <a:rPr lang="en-IN" dirty="0" err="1"/>
+              <a:t>usling</a:t>
+            </a:r>
+            <a:r>
+              <a:rPr lang="en-IN" dirty="0"/>
+              <a:t> cluster=5</a:t>
+            </a:r>
+          </a:p>
+          <a:p>
+            <a:endParaRPr lang="en-IN" dirty="0"/>
+          </a:p>
+          <a:p>
+            <a:endParaRPr lang="en-IN" dirty="0"/>
+          </a:p>
+          <a:p>
+            <a:endParaRPr lang="en-IN" dirty="0"/>
+          </a:p>
+          <a:p>
+            <a:pPr marL="0" indent="0">
+              <a:buNone/>
+            </a:pPr>
+            <a:endParaRPr lang="en-IN" dirty="0"/>
+          </a:p>
+          <a:p>
+            <a:pPr marL="0" indent="0">
+              <a:buNone/>
+            </a:pPr>
+            <a:endParaRPr lang="en-IN" dirty="0"/>
+          </a:p>
+          <a:p>
+            <a:pPr marL="0" indent="0">
+              <a:buNone/>
+            </a:pPr>
+            <a:endParaRPr lang="en-IN" dirty="0"/>
+          </a:p>
+        </p:txBody>
+      </p:sp>
+      <p:pic>
+        <p:nvPicPr>
+          <p:cNvPr id="4" name="Picture 3">
+            <a:extLst>
+              <a:ext uri="{FF2B5EF4-FFF2-40B4-BE49-F238E27FC236}">
+                <a16:creationId xmlns:a16="http://schemas.microsoft.com/office/drawing/2014/main" id="{0DD8FB24-9E39-47E0-A50F-BE1C24B76C71}"/>
+              </a:ext>
+            </a:extLst>
+          </p:cNvPr>
+          <p:cNvPicPr>
+            <a:picLocks noChangeAspect="1"/>
+          </p:cNvPicPr>
+          <p:nvPr/>
+        </p:nvPicPr>
+        <p:blipFill>
+          <a:blip r:embed="rId2"/>
+          <a:stretch>
+            <a:fillRect/>
+          </a:stretch>
+        </p:blipFill>
+        <p:spPr>
+          <a:xfrm>
+            <a:off x="806482" y="3210533"/>
+            <a:ext cx="10637658" cy="2733064"/>
+          </a:xfrm>
+          <a:prstGeom prst="rect">
+            <a:avLst/>
+          </a:prstGeom>
+        </p:spPr>
+      </p:pic>
+    </p:spTree>
+    <p:extLst>
+      <p:ext uri="{BB962C8B-B14F-4D97-AF65-F5344CB8AC3E}">
+        <p14:creationId xmlns:p14="http://schemas.microsoft.com/office/powerpoint/2010/main" val="1381974670"/>
+      </p:ext>
+    </p:extLst>
+  </p:cSld>
+  <p:clrMapOvr>
+    <a:masterClrMapping/>
+  </p:clrMapOvr>
+</p:sld>
+</file>
+
+<file path=ppt/slides/slide14.xml><?xml version="1.0" encoding="utf-8"?>
+<p:sld xmlns:a="http://schemas.openxmlformats.org/drawingml/2006/main" xmlns:r="http://schemas.openxmlformats.org/officeDocument/2006/relationships" xmlns:p="http://schemas.openxmlformats.org/presentationml/2006/main">
+  <p:cSld>
+    <p:spTree>
+      <p:nvGrpSpPr>
+        <p:cNvPr id="1" name=""/>
+        <p:cNvGrpSpPr/>
+        <p:nvPr/>
+      </p:nvGrpSpPr>
+      <p:grpSpPr>
+        <a:xfrm>
+          <a:off x="0" y="0"/>
+          <a:ext cx="0" cy="0"/>
+          <a:chOff x="0" y="0"/>
+          <a:chExt cx="0" cy="0"/>
+        </a:xfrm>
+      </p:grpSpPr>
+      <p:sp>
+        <p:nvSpPr>
+          <p:cNvPr id="2" name="Title 1">
+            <a:extLst>
+              <a:ext uri="{FF2B5EF4-FFF2-40B4-BE49-F238E27FC236}">
+                <a16:creationId xmlns:a16="http://schemas.microsoft.com/office/drawing/2014/main" id="{EDA77E50-BCEB-41F9-8FCA-15EF436C9CD5}"/>
+              </a:ext>
+            </a:extLst>
+          </p:cNvPr>
+          <p:cNvSpPr>
+            <a:spLocks noGrp="1"/>
+          </p:cNvSpPr>
+          <p:nvPr>
+            <p:ph type="title"/>
+          </p:nvPr>
+        </p:nvSpPr>
+        <p:spPr/>
+        <p:txBody>
+          <a:bodyPr/>
+          <a:lstStyle/>
+          <a:p>
+            <a:r>
+              <a:rPr lang="en-IN" dirty="0"/>
+              <a:t>Analysis of data</a:t>
+            </a:r>
+          </a:p>
+        </p:txBody>
+      </p:sp>
+      <p:sp>
+        <p:nvSpPr>
+          <p:cNvPr id="3" name="Content Placeholder 2">
+            <a:extLst>
+              <a:ext uri="{FF2B5EF4-FFF2-40B4-BE49-F238E27FC236}">
+                <a16:creationId xmlns:a16="http://schemas.microsoft.com/office/drawing/2014/main" id="{00EA8CC2-71FE-4CFE-B9BB-15D09FF228D8}"/>
+              </a:ext>
+            </a:extLst>
+          </p:cNvPr>
+          <p:cNvSpPr>
+            <a:spLocks noGrp="1"/>
+          </p:cNvSpPr>
+          <p:nvPr>
+            <p:ph sz="quarter" idx="13"/>
+          </p:nvPr>
+        </p:nvSpPr>
+        <p:spPr/>
+        <p:txBody>
+          <a:bodyPr/>
+          <a:lstStyle/>
+          <a:p>
+            <a:r>
+              <a:rPr lang="en-IN" dirty="0"/>
+              <a:t>After the last step of clustering using k-means algorithm we breakdown the neighbourhoods into clusters of similarity to help us with our analysis. </a:t>
+            </a:r>
+          </a:p>
+          <a:p>
+            <a:r>
+              <a:rPr lang="en-IN" dirty="0"/>
+              <a:t>In the analysis step we analyse the neighbourhoods on various parameters of rental index, venues </a:t>
+            </a:r>
+            <a:r>
+              <a:rPr lang="en-IN" dirty="0" err="1"/>
+              <a:t>closeby</a:t>
+            </a:r>
+            <a:r>
+              <a:rPr lang="en-IN" dirty="0"/>
+              <a:t> etc to help us make a determination on which neighbourhood is suitable to open our waffle business.</a:t>
+            </a:r>
+          </a:p>
+        </p:txBody>
+      </p:sp>
+    </p:spTree>
+    <p:extLst>
+      <p:ext uri="{BB962C8B-B14F-4D97-AF65-F5344CB8AC3E}">
+        <p14:creationId xmlns:p14="http://schemas.microsoft.com/office/powerpoint/2010/main" val="2207985927"/>
+      </p:ext>
+    </p:extLst>
+  </p:cSld>
+  <p:clrMapOvr>
+    <a:masterClrMapping/>
+  </p:clrMapOvr>
+</p:sld>
+</file>
+
+<file path=ppt/slides/slide15.xml><?xml version="1.0" encoding="utf-8"?>
+<p:sld xmlns:a="http://schemas.openxmlformats.org/drawingml/2006/main" xmlns:r="http://schemas.openxmlformats.org/officeDocument/2006/relationships" xmlns:p="http://schemas.openxmlformats.org/presentationml/2006/main">
+  <p:cSld>
+    <p:spTree>
+      <p:nvGrpSpPr>
+        <p:cNvPr id="1" name=""/>
+        <p:cNvGrpSpPr/>
+        <p:nvPr/>
+      </p:nvGrpSpPr>
+      <p:grpSpPr>
+        <a:xfrm>
+          <a:off x="0" y="0"/>
+          <a:ext cx="0" cy="0"/>
+          <a:chOff x="0" y="0"/>
+          <a:chExt cx="0" cy="0"/>
+        </a:xfrm>
+      </p:grpSpPr>
+      <p:sp>
+        <p:nvSpPr>
+          <p:cNvPr id="2" name="Title 1">
+            <a:extLst>
+              <a:ext uri="{FF2B5EF4-FFF2-40B4-BE49-F238E27FC236}">
+                <a16:creationId xmlns:a16="http://schemas.microsoft.com/office/drawing/2014/main" id="{C0E7879F-49C7-459A-8F36-7AFF568807CA}"/>
+              </a:ext>
+            </a:extLst>
+          </p:cNvPr>
+          <p:cNvSpPr>
+            <a:spLocks noGrp="1"/>
+          </p:cNvSpPr>
+          <p:nvPr>
+            <p:ph type="title"/>
+          </p:nvPr>
+        </p:nvSpPr>
+        <p:spPr/>
+        <p:txBody>
+          <a:bodyPr/>
+          <a:lstStyle/>
+          <a:p>
+            <a:r>
+              <a:rPr lang="en-IN" dirty="0"/>
+              <a:t>Discussion of results</a:t>
+            </a:r>
+          </a:p>
+        </p:txBody>
+      </p:sp>
+      <p:sp>
+        <p:nvSpPr>
+          <p:cNvPr id="3" name="Content Placeholder 2">
+            <a:extLst>
+              <a:ext uri="{FF2B5EF4-FFF2-40B4-BE49-F238E27FC236}">
+                <a16:creationId xmlns:a16="http://schemas.microsoft.com/office/drawing/2014/main" id="{122CD3B8-030D-4938-83E2-6A2777946431}"/>
+              </a:ext>
+            </a:extLst>
+          </p:cNvPr>
+          <p:cNvSpPr>
+            <a:spLocks noGrp="1"/>
+          </p:cNvSpPr>
+          <p:nvPr>
+            <p:ph sz="quarter" idx="13"/>
+          </p:nvPr>
+        </p:nvSpPr>
+        <p:spPr/>
+        <p:txBody>
+          <a:bodyPr>
+            <a:normAutofit fontScale="85000" lnSpcReduction="20000"/>
+          </a:bodyPr>
+          <a:lstStyle/>
+          <a:p>
+            <a:r>
+              <a:rPr lang="en-US" dirty="0"/>
+              <a:t>The findings from our analysis are</a:t>
+            </a:r>
+          </a:p>
+          <a:p>
+            <a:r>
+              <a:rPr lang="en-US" dirty="0"/>
+              <a:t>Cluster 1 and 4 has a high density of cafes, restaurants, Coffee shops</a:t>
+            </a:r>
+          </a:p>
+          <a:p>
+            <a:r>
+              <a:rPr lang="en-US" dirty="0"/>
+              <a:t>Cluster 2,3,5 has only one Neighborhood </a:t>
+            </a:r>
+          </a:p>
+          <a:p>
+            <a:r>
+              <a:rPr lang="en-US" dirty="0"/>
+              <a:t>In Cluster 1 Church and Wellesley, Ryerson , Garden District seem suitable venues due to their low rental index</a:t>
+            </a:r>
+          </a:p>
+          <a:p>
+            <a:r>
+              <a:rPr lang="en-US" dirty="0"/>
+              <a:t>In Cluster 5 </a:t>
+            </a:r>
+            <a:r>
+              <a:rPr lang="en-US" dirty="0" err="1"/>
+              <a:t>Cabbagetown</a:t>
+            </a:r>
+            <a:r>
+              <a:rPr lang="en-US" dirty="0"/>
+              <a:t> and </a:t>
+            </a:r>
+            <a:r>
+              <a:rPr lang="en-US" dirty="0" err="1"/>
+              <a:t>Harbour</a:t>
+            </a:r>
+            <a:r>
+              <a:rPr lang="en-US" dirty="0"/>
+              <a:t> Front seem suitable venues. </a:t>
+            </a:r>
+            <a:r>
+              <a:rPr lang="en-US" dirty="0" err="1"/>
+              <a:t>Harbour</a:t>
+            </a:r>
+            <a:r>
+              <a:rPr lang="en-US" dirty="0"/>
+              <a:t> front in particular seems interesting since there are breakfast spots and Bakery shops and Waffle could be a potential item which will be consumed.</a:t>
+            </a:r>
+          </a:p>
+          <a:p>
+            <a:r>
+              <a:rPr lang="en-US" dirty="0"/>
+              <a:t>The other </a:t>
+            </a:r>
+            <a:r>
+              <a:rPr lang="en-US" dirty="0" err="1"/>
+              <a:t>Neighbourhoods</a:t>
+            </a:r>
+            <a:r>
+              <a:rPr lang="en-US" dirty="0"/>
+              <a:t> have a relatively higher Rental Index and could be a risky proposition if the business doesn't take off well</a:t>
+            </a:r>
+          </a:p>
+          <a:p>
+            <a:endParaRPr lang="en-IN" dirty="0"/>
+          </a:p>
+        </p:txBody>
+      </p:sp>
+    </p:spTree>
+    <p:extLst>
+      <p:ext uri="{BB962C8B-B14F-4D97-AF65-F5344CB8AC3E}">
+        <p14:creationId xmlns:p14="http://schemas.microsoft.com/office/powerpoint/2010/main" val="4013152940"/>
+      </p:ext>
+    </p:extLst>
+  </p:cSld>
+  <p:clrMapOvr>
+    <a:masterClrMapping/>
+  </p:clrMapOvr>
+</p:sld>
+</file>
+
+<file path=ppt/slides/slide16.xml><?xml version="1.0" encoding="utf-8"?>
+<p:sld xmlns:a="http://schemas.openxmlformats.org/drawingml/2006/main" xmlns:r="http://schemas.openxmlformats.org/officeDocument/2006/relationships" xmlns:p="http://schemas.openxmlformats.org/presentationml/2006/main">
+  <p:cSld>
+    <p:spTree>
+      <p:nvGrpSpPr>
+        <p:cNvPr id="1" name=""/>
+        <p:cNvGrpSpPr/>
+        <p:nvPr/>
+      </p:nvGrpSpPr>
+      <p:grpSpPr>
+        <a:xfrm>
+          <a:off x="0" y="0"/>
+          <a:ext cx="0" cy="0"/>
+          <a:chOff x="0" y="0"/>
+          <a:chExt cx="0" cy="0"/>
+        </a:xfrm>
+      </p:grpSpPr>
+      <p:sp>
+        <p:nvSpPr>
+          <p:cNvPr id="2" name="Title 1">
+            <a:extLst>
+              <a:ext uri="{FF2B5EF4-FFF2-40B4-BE49-F238E27FC236}">
+                <a16:creationId xmlns:a16="http://schemas.microsoft.com/office/drawing/2014/main" id="{A620CCC2-6865-45CB-A05C-F7A28E7C53DF}"/>
+              </a:ext>
+            </a:extLst>
+          </p:cNvPr>
+          <p:cNvSpPr>
+            <a:spLocks noGrp="1"/>
+          </p:cNvSpPr>
+          <p:nvPr>
+            <p:ph type="title"/>
+          </p:nvPr>
+        </p:nvSpPr>
+        <p:spPr/>
+        <p:txBody>
+          <a:bodyPr/>
+          <a:lstStyle/>
+          <a:p>
+            <a:r>
+              <a:rPr lang="en-IN" dirty="0"/>
+              <a:t>conclusion</a:t>
+            </a:r>
+          </a:p>
+        </p:txBody>
+      </p:sp>
+      <p:sp>
+        <p:nvSpPr>
+          <p:cNvPr id="3" name="Content Placeholder 2">
+            <a:extLst>
+              <a:ext uri="{FF2B5EF4-FFF2-40B4-BE49-F238E27FC236}">
+                <a16:creationId xmlns:a16="http://schemas.microsoft.com/office/drawing/2014/main" id="{4A9FBDB1-5497-45D9-8D04-E451269E9904}"/>
+              </a:ext>
+            </a:extLst>
+          </p:cNvPr>
+          <p:cNvSpPr>
+            <a:spLocks noGrp="1"/>
+          </p:cNvSpPr>
+          <p:nvPr>
+            <p:ph sz="quarter" idx="13"/>
+          </p:nvPr>
+        </p:nvSpPr>
+        <p:spPr/>
+        <p:txBody>
+          <a:bodyPr>
+            <a:normAutofit fontScale="92500" lnSpcReduction="20000"/>
+          </a:bodyPr>
+          <a:lstStyle/>
+          <a:p>
+            <a:r>
+              <a:rPr lang="en-US" dirty="0"/>
+              <a:t>The purpose of our project was to identify suitable neighborhood's in the Downtown Toronto area which are suitable to open a Waffle franchise so that the Client Management of the Waffle company can narrow down to suitable areas to start their franchise business. </a:t>
+            </a:r>
+          </a:p>
+          <a:p>
+            <a:r>
+              <a:rPr lang="en-US" dirty="0"/>
+              <a:t>Using the Foursquare API we were able to identify venues closer to the neighborhood's and then </a:t>
+            </a:r>
+            <a:r>
+              <a:rPr lang="en-US" dirty="0" err="1"/>
+              <a:t>alongwith</a:t>
+            </a:r>
+            <a:r>
+              <a:rPr lang="en-US" dirty="0"/>
+              <a:t> the K-means clustering algorithm we were able to group the data on feature similarity in order to find suitable locations. </a:t>
+            </a:r>
+          </a:p>
+          <a:p>
+            <a:r>
+              <a:rPr lang="en-US" dirty="0"/>
+              <a:t>the final decision to select a </a:t>
+            </a:r>
+            <a:r>
+              <a:rPr lang="en-US" dirty="0" err="1"/>
+              <a:t>neighbourhood</a:t>
+            </a:r>
+            <a:r>
+              <a:rPr lang="en-US" dirty="0"/>
+              <a:t> will be done the European Waffle manufacturer based on commercial/legal parameters, market research, customer tastes etc.</a:t>
+            </a:r>
+            <a:endParaRPr lang="en-IN" dirty="0"/>
+          </a:p>
+        </p:txBody>
+      </p:sp>
+    </p:spTree>
+    <p:extLst>
+      <p:ext uri="{BB962C8B-B14F-4D97-AF65-F5344CB8AC3E}">
+        <p14:creationId xmlns:p14="http://schemas.microsoft.com/office/powerpoint/2010/main" val="312729336"/>
+      </p:ext>
+    </p:extLst>
+  </p:cSld>
+  <p:clrMapOvr>
+    <a:masterClrMapping/>
+  </p:clrMapOvr>
+</p:sld>
+</file>
+
+<file path=ppt/slides/slide17.xml><?xml version="1.0" encoding="utf-8"?>
+<p:sld xmlns:a="http://schemas.openxmlformats.org/drawingml/2006/main" xmlns:r="http://schemas.openxmlformats.org/officeDocument/2006/relationships" xmlns:p="http://schemas.openxmlformats.org/presentationml/2006/main">
+  <p:cSld>
+    <p:spTree>
+      <p:nvGrpSpPr>
+        <p:cNvPr id="1" name=""/>
+        <p:cNvGrpSpPr/>
+        <p:nvPr/>
+      </p:nvGrpSpPr>
+      <p:grpSpPr>
+        <a:xfrm>
+          <a:off x="0" y="0"/>
+          <a:ext cx="0" cy="0"/>
+          <a:chOff x="0" y="0"/>
+          <a:chExt cx="0" cy="0"/>
+        </a:xfrm>
+      </p:grpSpPr>
+      <p:sp>
+        <p:nvSpPr>
+          <p:cNvPr id="2" name="Title 1">
+            <a:extLst>
+              <a:ext uri="{FF2B5EF4-FFF2-40B4-BE49-F238E27FC236}">
+                <a16:creationId xmlns:a16="http://schemas.microsoft.com/office/drawing/2014/main" id="{60D9A2D5-5B7B-4C4E-9CE9-227E2E51DB57}"/>
+              </a:ext>
+            </a:extLst>
+          </p:cNvPr>
+          <p:cNvSpPr>
+            <a:spLocks noGrp="1"/>
+          </p:cNvSpPr>
+          <p:nvPr>
+            <p:ph type="title"/>
+          </p:nvPr>
+        </p:nvSpPr>
+        <p:spPr/>
+        <p:txBody>
+          <a:bodyPr/>
+          <a:lstStyle/>
+          <a:p>
+            <a:r>
+              <a:rPr lang="en-IN" dirty="0"/>
+              <a:t>references</a:t>
+            </a:r>
+          </a:p>
+        </p:txBody>
+      </p:sp>
+      <p:sp>
+        <p:nvSpPr>
+          <p:cNvPr id="3" name="Content Placeholder 2">
+            <a:extLst>
+              <a:ext uri="{FF2B5EF4-FFF2-40B4-BE49-F238E27FC236}">
+                <a16:creationId xmlns:a16="http://schemas.microsoft.com/office/drawing/2014/main" id="{60DBE5C5-6416-4AE4-8B4D-88201AC17AAB}"/>
+              </a:ext>
+            </a:extLst>
+          </p:cNvPr>
+          <p:cNvSpPr>
+            <a:spLocks noGrp="1"/>
+          </p:cNvSpPr>
+          <p:nvPr>
+            <p:ph sz="quarter" idx="13"/>
+          </p:nvPr>
+        </p:nvSpPr>
+        <p:spPr/>
+        <p:txBody>
+          <a:bodyPr/>
+          <a:lstStyle/>
+          <a:p>
+            <a:r>
+              <a:rPr lang="en-IN" dirty="0">
+                <a:hlinkClick r:id="rId2"/>
+              </a:rPr>
+              <a:t>https://en.wikipedia.org/wiki/List_of_postal_codes_of_Canada:_M</a:t>
+            </a:r>
+            <a:endParaRPr lang="en-IN" dirty="0"/>
+          </a:p>
+          <a:p>
+            <a:r>
+              <a:rPr lang="en-IN" dirty="0">
+                <a:hlinkClick r:id="rId3"/>
+              </a:rPr>
+              <a:t>https://foursquare.com/</a:t>
+            </a:r>
+            <a:endParaRPr lang="en-IN" dirty="0"/>
+          </a:p>
+          <a:p>
+            <a:r>
+              <a:rPr lang="en-IN" dirty="0">
+                <a:hlinkClick r:id="rId4"/>
+              </a:rPr>
+              <a:t>https://en.wikipedia.org/wiki/K-means_clustering</a:t>
+            </a:r>
+            <a:endParaRPr lang="en-IN" dirty="0"/>
+          </a:p>
+          <a:p>
+            <a:r>
+              <a:rPr lang="en-IN" dirty="0"/>
+              <a:t>https://scikit-learn.org/stable/modules/generated/sklearn.cluster.KMeans.html</a:t>
+            </a:r>
+          </a:p>
+          <a:p>
+            <a:endParaRPr lang="en-IN" dirty="0"/>
+          </a:p>
+        </p:txBody>
+      </p:sp>
+    </p:spTree>
+    <p:extLst>
+      <p:ext uri="{BB962C8B-B14F-4D97-AF65-F5344CB8AC3E}">
+        <p14:creationId xmlns:p14="http://schemas.microsoft.com/office/powerpoint/2010/main" val="1278286500"/>
+      </p:ext>
+    </p:extLst>
+  </p:cSld>
+  <p:clrMapOvr>
+    <a:masterClrMapping/>
+  </p:clrMapOvr>
+</p:sld>
+</file>
+
 <file path=ppt/slides/slide2.xml><?xml version="1.0" encoding="utf-8"?>
 <p:sld xmlns:a="http://schemas.openxmlformats.org/drawingml/2006/main" xmlns:r="http://schemas.openxmlformats.org/officeDocument/2006/relationships" xmlns:p="http://schemas.openxmlformats.org/presentationml/2006/main">
   <p:cSld>
@@ -10050,7 +11147,7 @@
           <p:cNvPr id="2" name="Title 1">
             <a:extLst>
               <a:ext uri="{FF2B5EF4-FFF2-40B4-BE49-F238E27FC236}">
-                <a16:creationId xmlns:a16="http://schemas.microsoft.com/office/drawing/2014/main" id="{60D9A2D5-5B7B-4C4E-9CE9-227E2E51DB57}"/>
+                <a16:creationId xmlns:a16="http://schemas.microsoft.com/office/drawing/2014/main" id="{B2F88752-0CB5-44BC-877B-B361E8E3A513}"/>
               </a:ext>
             </a:extLst>
           </p:cNvPr>
@@ -10068,7 +11165,7 @@
           <a:p>
             <a:r>
               <a:rPr lang="en-IN" dirty="0"/>
-              <a:t>references</a:t>
+              <a:t>Data collection and processing</a:t>
             </a:r>
           </a:p>
         </p:txBody>
@@ -10078,7 +11175,7 @@
           <p:cNvPr id="3" name="Content Placeholder 2">
             <a:extLst>
               <a:ext uri="{FF2B5EF4-FFF2-40B4-BE49-F238E27FC236}">
-                <a16:creationId xmlns:a16="http://schemas.microsoft.com/office/drawing/2014/main" id="{60DBE5C5-6416-4AE4-8B4D-88201AC17AAB}"/>
+                <a16:creationId xmlns:a16="http://schemas.microsoft.com/office/drawing/2014/main" id="{967906E9-EFDE-4453-A4F8-DBE7A50A137A}"/>
               </a:ext>
             </a:extLst>
           </p:cNvPr>
@@ -10091,50 +11188,92 @@
         </p:nvSpPr>
         <p:spPr/>
         <p:txBody>
-          <a:bodyPr/>
+          <a:bodyPr>
+            <a:normAutofit lnSpcReduction="10000"/>
+          </a:bodyPr>
           <a:lstStyle/>
           <a:p>
             <a:r>
-              <a:rPr lang="en-IN" dirty="0">
-                <a:hlinkClick r:id="rId2"/>
-              </a:rPr>
-              <a:t>https://en.wikipedia.org/wiki/List_of_postal_codes_of_Canada:_M</a:t>
-            </a:r>
+              <a:rPr lang="en-IN" dirty="0"/>
+              <a:t>Step-1We used the python Wikipedia </a:t>
+            </a:r>
+            <a:r>
+              <a:rPr lang="en-IN" dirty="0" err="1"/>
+              <a:t>api</a:t>
+            </a:r>
+            <a:r>
+              <a:rPr lang="en-IN" dirty="0"/>
+              <a:t> to scrape the tabular data for the list of neighbourhoods in Toronto. We created a </a:t>
+            </a:r>
+            <a:r>
+              <a:rPr lang="en-IN" dirty="0" err="1"/>
+              <a:t>dataframe</a:t>
+            </a:r>
+            <a:r>
+              <a:rPr lang="en-IN" dirty="0"/>
+              <a:t> as follows</a:t>
+            </a:r>
+          </a:p>
+          <a:p>
+            <a:pPr marL="0" indent="0">
+              <a:buNone/>
+            </a:pPr>
             <a:endParaRPr lang="en-IN" dirty="0"/>
           </a:p>
           <a:p>
-            <a:r>
-              <a:rPr lang="en-IN" dirty="0">
-                <a:hlinkClick r:id="rId3"/>
-              </a:rPr>
-              <a:t>https://foursquare.com/</a:t>
-            </a:r>
+            <a:pPr marL="0" indent="0">
+              <a:buNone/>
+            </a:pPr>
             <a:endParaRPr lang="en-IN" dirty="0"/>
           </a:p>
           <a:p>
-            <a:r>
-              <a:rPr lang="en-IN" dirty="0">
-                <a:hlinkClick r:id="rId4"/>
-              </a:rPr>
-              <a:t>https://en.wikipedia.org/wiki/K-means_clustering</a:t>
-            </a:r>
+            <a:pPr marL="0" indent="0">
+              <a:buNone/>
+            </a:pPr>
             <a:endParaRPr lang="en-IN" dirty="0"/>
           </a:p>
           <a:p>
             <a:r>
               <a:rPr lang="en-IN" dirty="0"/>
-              <a:t>https://scikit-learn.org/stable/modules/generated/sklearn.cluster.KMeans.html</a:t>
-            </a:r>
-          </a:p>
-          <a:p>
-            <a:endParaRPr lang="en-IN" dirty="0"/>
-          </a:p>
-        </p:txBody>
-      </p:sp>
+              <a:t>Step-2 here we did some data cleaning and data wrangling to remove unwanted data like rows with boroughs as ‘not assigned’ and some data wrangling</a:t>
+            </a:r>
+          </a:p>
+        </p:txBody>
+      </p:sp>
+      <p:pic>
+        <p:nvPicPr>
+          <p:cNvPr id="4" name="Picture 3">
+            <a:extLst>
+              <a:ext uri="{FF2B5EF4-FFF2-40B4-BE49-F238E27FC236}">
+                <a16:creationId xmlns:a16="http://schemas.microsoft.com/office/drawing/2014/main" id="{82926F51-CDAA-4552-9F23-0038D8053C99}"/>
+              </a:ext>
+            </a:extLst>
+          </p:cNvPr>
+          <p:cNvPicPr>
+            <a:picLocks noChangeAspect="1"/>
+          </p:cNvPicPr>
+          <p:nvPr/>
+        </p:nvPicPr>
+        <p:blipFill>
+          <a:blip r:embed="rId2"/>
+          <a:stretch>
+            <a:fillRect/>
+          </a:stretch>
+        </p:blipFill>
+        <p:spPr>
+          <a:xfrm>
+            <a:off x="2328421" y="3159108"/>
+            <a:ext cx="3638746" cy="1243209"/>
+          </a:xfrm>
+          <a:prstGeom prst="rect">
+            <a:avLst/>
+          </a:prstGeom>
+        </p:spPr>
+      </p:pic>
     </p:spTree>
     <p:extLst>
       <p:ext uri="{BB962C8B-B14F-4D97-AF65-F5344CB8AC3E}">
-        <p14:creationId xmlns:p14="http://schemas.microsoft.com/office/powerpoint/2010/main" val="1278286500"/>
+        <p14:creationId xmlns:p14="http://schemas.microsoft.com/office/powerpoint/2010/main" val="1311902447"/>
       </p:ext>
     </p:extLst>
   </p:cSld>
